--- a/presentation/Hotel_Service_Management_presentation.pptx
+++ b/presentation/Hotel_Service_Management_presentation.pptx
@@ -19679,358 +19679,14 @@
         </p:blipFill>
         <p:spPr>
           <a:xfrm>
-            <a:off x="5907314" y="819377"/>
-            <a:ext cx="1612655" cy="1176735"/>
+            <a:off x="6022276" y="903263"/>
+            <a:ext cx="1497693" cy="1092849"/>
           </a:xfrm>
           <a:prstGeom prst="rect">
             <a:avLst/>
           </a:prstGeom>
         </p:spPr>
       </p:pic>
-      <p:sp>
-        <p:nvSpPr>
-          <p:cNvPr id="9" name="Google Shape;792;p50">
-            <a:extLst>
-              <a:ext uri="{FF2B5EF4-FFF2-40B4-BE49-F238E27FC236}">
-                <a16:creationId xmlns:a16="http://schemas.microsoft.com/office/drawing/2014/main" id="{2A85FAE1-37C3-4FD1-8938-7C0E8A917B05}"/>
-              </a:ext>
-            </a:extLst>
-          </p:cNvPr>
-          <p:cNvSpPr txBox="1">
-            <a:spLocks/>
-          </p:cNvSpPr>
-          <p:nvPr/>
-        </p:nvSpPr>
-        <p:spPr>
-          <a:xfrm>
-            <a:off x="5907314" y="2218871"/>
-            <a:ext cx="1487400" cy="255900"/>
-          </a:xfrm>
-          <a:prstGeom prst="rect">
-            <a:avLst/>
-          </a:prstGeom>
-        </p:spPr>
-        <p:txBody>
-          <a:bodyPr spcFirstLastPara="1" wrap="square" lIns="91425" tIns="91425" rIns="91425" bIns="91425" anchor="ctr" anchorCtr="0">
-            <a:noAutofit/>
-          </a:bodyPr>
-          <a:lstStyle>
-            <a:defPPr marR="0" lvl="0" algn="l" rtl="0">
-              <a:lnSpc>
-                <a:spcPct val="100000"/>
-              </a:lnSpc>
-              <a:spcBef>
-                <a:spcPts val="0"/>
-              </a:spcBef>
-              <a:spcAft>
-                <a:spcPts val="0"/>
-              </a:spcAft>
-            </a:defPPr>
-            <a:lvl1pPr marR="0" lvl="0" algn="l" rtl="0">
-              <a:lnSpc>
-                <a:spcPct val="100000"/>
-              </a:lnSpc>
-              <a:spcBef>
-                <a:spcPts val="0"/>
-              </a:spcBef>
-              <a:spcAft>
-                <a:spcPts val="0"/>
-              </a:spcAft>
-              <a:buClr>
-                <a:srgbClr val="000000"/>
-              </a:buClr>
-              <a:buFont typeface="Arial"/>
-              <a:defRPr sz="1400" b="0" i="0" u="none" strike="noStrike" cap="none">
-                <a:solidFill>
-                  <a:srgbClr val="000000"/>
-                </a:solidFill>
-                <a:latin typeface="Arial"/>
-                <a:ea typeface="Arial"/>
-                <a:cs typeface="Arial"/>
-                <a:sym typeface="Arial"/>
-              </a:defRPr>
-            </a:lvl1pPr>
-            <a:lvl2pPr marR="0" lvl="1" algn="l" rtl="0">
-              <a:lnSpc>
-                <a:spcPct val="100000"/>
-              </a:lnSpc>
-              <a:spcBef>
-                <a:spcPts val="0"/>
-              </a:spcBef>
-              <a:spcAft>
-                <a:spcPts val="0"/>
-              </a:spcAft>
-              <a:buClr>
-                <a:srgbClr val="000000"/>
-              </a:buClr>
-              <a:buFont typeface="Arial"/>
-              <a:defRPr sz="1400" b="0" i="0" u="none" strike="noStrike" cap="none">
-                <a:solidFill>
-                  <a:srgbClr val="000000"/>
-                </a:solidFill>
-                <a:latin typeface="Arial"/>
-                <a:ea typeface="Arial"/>
-                <a:cs typeface="Arial"/>
-                <a:sym typeface="Arial"/>
-              </a:defRPr>
-            </a:lvl2pPr>
-            <a:lvl3pPr marR="0" lvl="2" algn="l" rtl="0">
-              <a:lnSpc>
-                <a:spcPct val="100000"/>
-              </a:lnSpc>
-              <a:spcBef>
-                <a:spcPts val="0"/>
-              </a:spcBef>
-              <a:spcAft>
-                <a:spcPts val="0"/>
-              </a:spcAft>
-              <a:buClr>
-                <a:srgbClr val="000000"/>
-              </a:buClr>
-              <a:buFont typeface="Arial"/>
-              <a:defRPr sz="1400" b="0" i="0" u="none" strike="noStrike" cap="none">
-                <a:solidFill>
-                  <a:srgbClr val="000000"/>
-                </a:solidFill>
-                <a:latin typeface="Arial"/>
-                <a:ea typeface="Arial"/>
-                <a:cs typeface="Arial"/>
-                <a:sym typeface="Arial"/>
-              </a:defRPr>
-            </a:lvl3pPr>
-            <a:lvl4pPr marR="0" lvl="3" algn="l" rtl="0">
-              <a:lnSpc>
-                <a:spcPct val="100000"/>
-              </a:lnSpc>
-              <a:spcBef>
-                <a:spcPts val="0"/>
-              </a:spcBef>
-              <a:spcAft>
-                <a:spcPts val="0"/>
-              </a:spcAft>
-              <a:buClr>
-                <a:srgbClr val="000000"/>
-              </a:buClr>
-              <a:buFont typeface="Arial"/>
-              <a:defRPr sz="1400" b="0" i="0" u="none" strike="noStrike" cap="none">
-                <a:solidFill>
-                  <a:srgbClr val="000000"/>
-                </a:solidFill>
-                <a:latin typeface="Arial"/>
-                <a:ea typeface="Arial"/>
-                <a:cs typeface="Arial"/>
-                <a:sym typeface="Arial"/>
-              </a:defRPr>
-            </a:lvl4pPr>
-            <a:lvl5pPr marR="0" lvl="4" algn="l" rtl="0">
-              <a:lnSpc>
-                <a:spcPct val="100000"/>
-              </a:lnSpc>
-              <a:spcBef>
-                <a:spcPts val="0"/>
-              </a:spcBef>
-              <a:spcAft>
-                <a:spcPts val="0"/>
-              </a:spcAft>
-              <a:buClr>
-                <a:srgbClr val="000000"/>
-              </a:buClr>
-              <a:buFont typeface="Arial"/>
-              <a:defRPr sz="1400" b="0" i="0" u="none" strike="noStrike" cap="none">
-                <a:solidFill>
-                  <a:srgbClr val="000000"/>
-                </a:solidFill>
-                <a:latin typeface="Arial"/>
-                <a:ea typeface="Arial"/>
-                <a:cs typeface="Arial"/>
-                <a:sym typeface="Arial"/>
-              </a:defRPr>
-            </a:lvl5pPr>
-            <a:lvl6pPr marR="0" lvl="5" algn="l" rtl="0">
-              <a:lnSpc>
-                <a:spcPct val="100000"/>
-              </a:lnSpc>
-              <a:spcBef>
-                <a:spcPts val="0"/>
-              </a:spcBef>
-              <a:spcAft>
-                <a:spcPts val="0"/>
-              </a:spcAft>
-              <a:buClr>
-                <a:srgbClr val="000000"/>
-              </a:buClr>
-              <a:buFont typeface="Arial"/>
-              <a:defRPr sz="1400" b="0" i="0" u="none" strike="noStrike" cap="none">
-                <a:solidFill>
-                  <a:srgbClr val="000000"/>
-                </a:solidFill>
-                <a:latin typeface="Arial"/>
-                <a:ea typeface="Arial"/>
-                <a:cs typeface="Arial"/>
-                <a:sym typeface="Arial"/>
-              </a:defRPr>
-            </a:lvl6pPr>
-            <a:lvl7pPr marR="0" lvl="6" algn="l" rtl="0">
-              <a:lnSpc>
-                <a:spcPct val="100000"/>
-              </a:lnSpc>
-              <a:spcBef>
-                <a:spcPts val="0"/>
-              </a:spcBef>
-              <a:spcAft>
-                <a:spcPts val="0"/>
-              </a:spcAft>
-              <a:buClr>
-                <a:srgbClr val="000000"/>
-              </a:buClr>
-              <a:buFont typeface="Arial"/>
-              <a:defRPr sz="1400" b="0" i="0" u="none" strike="noStrike" cap="none">
-                <a:solidFill>
-                  <a:srgbClr val="000000"/>
-                </a:solidFill>
-                <a:latin typeface="Arial"/>
-                <a:ea typeface="Arial"/>
-                <a:cs typeface="Arial"/>
-                <a:sym typeface="Arial"/>
-              </a:defRPr>
-            </a:lvl7pPr>
-            <a:lvl8pPr marR="0" lvl="7" algn="l" rtl="0">
-              <a:lnSpc>
-                <a:spcPct val="100000"/>
-              </a:lnSpc>
-              <a:spcBef>
-                <a:spcPts val="0"/>
-              </a:spcBef>
-              <a:spcAft>
-                <a:spcPts val="0"/>
-              </a:spcAft>
-              <a:buClr>
-                <a:srgbClr val="000000"/>
-              </a:buClr>
-              <a:buFont typeface="Arial"/>
-              <a:defRPr sz="1400" b="0" i="0" u="none" strike="noStrike" cap="none">
-                <a:solidFill>
-                  <a:srgbClr val="000000"/>
-                </a:solidFill>
-                <a:latin typeface="Arial"/>
-                <a:ea typeface="Arial"/>
-                <a:cs typeface="Arial"/>
-                <a:sym typeface="Arial"/>
-              </a:defRPr>
-            </a:lvl8pPr>
-            <a:lvl9pPr marR="0" lvl="8" algn="l" rtl="0">
-              <a:lnSpc>
-                <a:spcPct val="100000"/>
-              </a:lnSpc>
-              <a:spcBef>
-                <a:spcPts val="0"/>
-              </a:spcBef>
-              <a:spcAft>
-                <a:spcPts val="0"/>
-              </a:spcAft>
-              <a:buClr>
-                <a:srgbClr val="000000"/>
-              </a:buClr>
-              <a:buFont typeface="Arial"/>
-              <a:defRPr sz="1400" b="0" i="0" u="none" strike="noStrike" cap="none">
-                <a:solidFill>
-                  <a:srgbClr val="000000"/>
-                </a:solidFill>
-                <a:latin typeface="Arial"/>
-                <a:ea typeface="Arial"/>
-                <a:cs typeface="Arial"/>
-                <a:sym typeface="Arial"/>
-              </a:defRPr>
-            </a:lvl9pPr>
-          </a:lstStyle>
-          <a:p>
-            <a:pPr algn="ctr">
-              <a:buClr>
-                <a:schemeClr val="dk2"/>
-              </a:buClr>
-              <a:buSzPts val="1800"/>
-            </a:pPr>
-            <a:r>
-              <a:rPr lang="it-IT" sz="1200" b="1" dirty="0" err="1">
-                <a:solidFill>
-                  <a:schemeClr val="dk2"/>
-                </a:solidFill>
-                <a:highlight>
-                  <a:schemeClr val="lt2"/>
-                </a:highlight>
-                <a:latin typeface="Montserrat"/>
-                <a:sym typeface="Montserrat"/>
-              </a:rPr>
-              <a:t>Nuclio</a:t>
-            </a:r>
-            <a:r>
-              <a:rPr lang="it-IT" sz="1200" b="1" dirty="0">
-                <a:solidFill>
-                  <a:schemeClr val="dk2"/>
-                </a:solidFill>
-                <a:highlight>
-                  <a:schemeClr val="lt2"/>
-                </a:highlight>
-                <a:latin typeface="Montserrat"/>
-                <a:sym typeface="Montserrat"/>
-              </a:rPr>
-              <a:t> </a:t>
-            </a:r>
-            <a:r>
-              <a:rPr lang="it-IT" sz="1200" b="1" dirty="0" err="1">
-                <a:solidFill>
-                  <a:schemeClr val="dk2"/>
-                </a:solidFill>
-                <a:highlight>
-                  <a:schemeClr val="lt2"/>
-                </a:highlight>
-                <a:latin typeface="Montserrat"/>
-                <a:sym typeface="Montserrat"/>
-              </a:rPr>
-              <a:t>Function</a:t>
-            </a:r>
-            <a:r>
-              <a:rPr lang="it-IT" sz="1200" b="1" dirty="0">
-                <a:solidFill>
-                  <a:schemeClr val="dk2"/>
-                </a:solidFill>
-                <a:highlight>
-                  <a:schemeClr val="lt2"/>
-                </a:highlight>
-                <a:latin typeface="Montserrat"/>
-                <a:sym typeface="Montserrat"/>
-              </a:rPr>
-              <a:t> </a:t>
-            </a:r>
-            <a:r>
-              <a:rPr lang="it-IT" sz="1200" b="1" dirty="0" err="1">
-                <a:solidFill>
-                  <a:schemeClr val="dk2"/>
-                </a:solidFill>
-                <a:highlight>
-                  <a:schemeClr val="lt2"/>
-                </a:highlight>
-                <a:latin typeface="Montserrat"/>
-                <a:sym typeface="Montserrat"/>
-              </a:rPr>
-              <a:t>that</a:t>
-            </a:r>
-            <a:r>
-              <a:rPr lang="it-IT" sz="1200" b="1" dirty="0">
-                <a:solidFill>
-                  <a:schemeClr val="dk2"/>
-                </a:solidFill>
-                <a:highlight>
-                  <a:schemeClr val="lt2"/>
-                </a:highlight>
-                <a:latin typeface="Montserrat"/>
-                <a:sym typeface="Montserrat"/>
-              </a:rPr>
-              <a:t> generate the event</a:t>
-            </a:r>
-          </a:p>
-        </p:txBody>
-      </p:sp>
       <p:sp>
         <p:nvSpPr>
           <p:cNvPr id="10" name="Google Shape;792;p50">
@@ -20392,6 +20048,121 @@
           </a:fontRef>
         </p:style>
       </p:cxnSp>
+      <p:sp>
+        <p:nvSpPr>
+          <p:cNvPr id="2" name="CasellaDiTesto 1">
+            <a:extLst>
+              <a:ext uri="{FF2B5EF4-FFF2-40B4-BE49-F238E27FC236}">
+                <a16:creationId xmlns:a16="http://schemas.microsoft.com/office/drawing/2014/main" id="{A9E5B394-B0EC-42FE-8AB3-1303F7E1E377}"/>
+              </a:ext>
+            </a:extLst>
+          </p:cNvPr>
+          <p:cNvSpPr txBox="1"/>
+          <p:nvPr/>
+        </p:nvSpPr>
+        <p:spPr>
+          <a:xfrm>
+            <a:off x="5917607" y="2022398"/>
+            <a:ext cx="1497693" cy="646331"/>
+          </a:xfrm>
+          <a:prstGeom prst="rect">
+            <a:avLst/>
+          </a:prstGeom>
+          <a:noFill/>
+        </p:spPr>
+        <p:txBody>
+          <a:bodyPr wrap="square" rtlCol="0">
+            <a:spAutoFit/>
+          </a:bodyPr>
+          <a:lstStyle/>
+          <a:p>
+            <a:pPr algn="ctr">
+              <a:buClr>
+                <a:schemeClr val="dk2"/>
+              </a:buClr>
+              <a:buSzPts val="1800"/>
+            </a:pPr>
+            <a:r>
+              <a:rPr lang="it-IT" sz="1200" b="1" dirty="0" err="1">
+                <a:solidFill>
+                  <a:schemeClr val="dk2"/>
+                </a:solidFill>
+                <a:highlight>
+                  <a:schemeClr val="lt2"/>
+                </a:highlight>
+                <a:latin typeface="Montserrat"/>
+                <a:sym typeface="Montserrat"/>
+              </a:rPr>
+              <a:t>Nuclio</a:t>
+            </a:r>
+            <a:r>
+              <a:rPr lang="it-IT" sz="1200" b="1" dirty="0">
+                <a:solidFill>
+                  <a:schemeClr val="dk2"/>
+                </a:solidFill>
+                <a:highlight>
+                  <a:schemeClr val="lt2"/>
+                </a:highlight>
+                <a:latin typeface="Montserrat"/>
+                <a:sym typeface="Montserrat"/>
+              </a:rPr>
+              <a:t> </a:t>
+            </a:r>
+            <a:r>
+              <a:rPr lang="it-IT" sz="1200" b="1" dirty="0" err="1">
+                <a:solidFill>
+                  <a:schemeClr val="dk2"/>
+                </a:solidFill>
+                <a:highlight>
+                  <a:schemeClr val="lt2"/>
+                </a:highlight>
+                <a:latin typeface="Montserrat"/>
+                <a:sym typeface="Montserrat"/>
+              </a:rPr>
+              <a:t>Function</a:t>
+            </a:r>
+            <a:r>
+              <a:rPr lang="it-IT" sz="1200" b="1" dirty="0">
+                <a:solidFill>
+                  <a:schemeClr val="dk2"/>
+                </a:solidFill>
+                <a:highlight>
+                  <a:schemeClr val="lt2"/>
+                </a:highlight>
+                <a:latin typeface="Montserrat"/>
+                <a:sym typeface="Montserrat"/>
+              </a:rPr>
+              <a:t> </a:t>
+            </a:r>
+            <a:r>
+              <a:rPr lang="it-IT" sz="1200" b="1" dirty="0" err="1">
+                <a:solidFill>
+                  <a:schemeClr val="dk2"/>
+                </a:solidFill>
+                <a:highlight>
+                  <a:schemeClr val="lt2"/>
+                </a:highlight>
+                <a:latin typeface="Montserrat"/>
+                <a:sym typeface="Montserrat"/>
+              </a:rPr>
+              <a:t>that</a:t>
+            </a:r>
+            <a:r>
+              <a:rPr lang="it-IT" sz="1200" b="1" dirty="0">
+                <a:solidFill>
+                  <a:schemeClr val="dk2"/>
+                </a:solidFill>
+                <a:highlight>
+                  <a:schemeClr val="lt2"/>
+                </a:highlight>
+                <a:latin typeface="Montserrat"/>
+                <a:sym typeface="Montserrat"/>
+              </a:rPr>
+              <a:t> generate the event</a:t>
+            </a:r>
+          </a:p>
+        </p:txBody>
+      </p:sp>
     </p:spTree>
     <p:extLst>
       <p:ext uri="{BB962C8B-B14F-4D97-AF65-F5344CB8AC3E}">
@@ -28157,10 +27928,10 @@
       </p:sp>
       <p:pic>
         <p:nvPicPr>
-          <p:cNvPr id="3" name="Immagine 2" descr="Immagine che contiene disegnando&#10;&#10;Descrizione generata automaticamente">
+          <p:cNvPr id="4" name="Elemento grafico 3">
             <a:extLst>
               <a:ext uri="{FF2B5EF4-FFF2-40B4-BE49-F238E27FC236}">
-                <a16:creationId xmlns:a16="http://schemas.microsoft.com/office/drawing/2014/main" id="{18249116-003C-49EC-AF9A-2F5548ACA1AC}"/>
+                <a16:creationId xmlns:a16="http://schemas.microsoft.com/office/drawing/2014/main" id="{8F9FD90B-1F58-4EC1-8ADE-0B29FB43171D}"/>
               </a:ext>
             </a:extLst>
           </p:cNvPr>
@@ -28170,15 +27941,21 @@
           <p:nvPr/>
         </p:nvPicPr>
         <p:blipFill>
-          <a:blip r:embed="rId3"/>
+          <a:blip r:embed="rId3">
+            <a:extLst>
+              <a:ext uri="{96DAC541-7B7A-43D3-8B79-37D633B846F1}">
+                <asvg:svgBlip xmlns:asvg="http://schemas.microsoft.com/office/drawing/2016/SVG/main" r:embed="rId4"/>
+              </a:ext>
+            </a:extLst>
+          </a:blip>
           <a:stretch>
             <a:fillRect/>
           </a:stretch>
         </p:blipFill>
         <p:spPr>
           <a:xfrm>
-            <a:off x="1389916" y="928914"/>
-            <a:ext cx="3452181" cy="3122654"/>
+            <a:off x="1752075" y="1114698"/>
+            <a:ext cx="2634606" cy="2973595"/>
           </a:xfrm>
           <a:prstGeom prst="rect">
             <a:avLst/>
@@ -45872,7 +45649,7 @@
             <a:chExt cx="351722" cy="274788"/>
           </a:xfrm>
           <a:solidFill>
-            <a:schemeClr val="accent2"/>
+            <a:schemeClr val="tx1"/>
           </a:solidFill>
         </p:grpSpPr>
         <p:sp>

--- a/presentation/Hotel_Service_Management_presentation.pptx
+++ b/presentation/Hotel_Service_Management_presentation.pptx
@@ -5,7 +5,7 @@
     <p:sldMasterId id="2147483678" r:id="rId1"/>
   </p:sldMasterIdLst>
   <p:notesMasterIdLst>
-    <p:notesMasterId r:id="rId38"/>
+    <p:notesMasterId r:id="rId39"/>
   </p:notesMasterIdLst>
   <p:sldIdLst>
     <p:sldId id="256" r:id="rId2"/>
@@ -40,24 +40,25 @@
     <p:sldId id="331" r:id="rId31"/>
     <p:sldId id="334" r:id="rId32"/>
     <p:sldId id="271" r:id="rId33"/>
-    <p:sldId id="261" r:id="rId34"/>
-    <p:sldId id="325" r:id="rId35"/>
-    <p:sldId id="259" r:id="rId36"/>
-    <p:sldId id="287" r:id="rId37"/>
+    <p:sldId id="335" r:id="rId34"/>
+    <p:sldId id="261" r:id="rId35"/>
+    <p:sldId id="325" r:id="rId36"/>
+    <p:sldId id="259" r:id="rId37"/>
+    <p:sldId id="287" r:id="rId38"/>
   </p:sldIdLst>
   <p:sldSz cx="9144000" cy="5143500" type="screen16x9"/>
   <p:notesSz cx="6858000" cy="9144000"/>
   <p:embeddedFontLst>
     <p:embeddedFont>
       <p:font typeface="Montserrat" panose="020B0604020202020204" charset="0"/>
-      <p:regular r:id="rId39"/>
-      <p:bold r:id="rId40"/>
-      <p:italic r:id="rId41"/>
-      <p:boldItalic r:id="rId42"/>
+      <p:regular r:id="rId40"/>
+      <p:bold r:id="rId41"/>
+      <p:italic r:id="rId42"/>
+      <p:boldItalic r:id="rId43"/>
     </p:embeddedFont>
     <p:embeddedFont>
       <p:font typeface="Staatliches" panose="020B0604020202020204" charset="0"/>
-      <p:regular r:id="rId43"/>
+      <p:regular r:id="rId44"/>
     </p:embeddedFont>
   </p:embeddedFontLst>
   <p:defaultTextStyle>
@@ -3547,6 +3548,115 @@
   <p:cSld>
     <p:spTree>
       <p:nvGrpSpPr>
+        <p:cNvPr id="1" name="Shape 777"/>
+        <p:cNvGrpSpPr/>
+        <p:nvPr/>
+      </p:nvGrpSpPr>
+      <p:grpSpPr>
+        <a:xfrm>
+          <a:off x="0" y="0"/>
+          <a:ext cx="0" cy="0"/>
+          <a:chOff x="0" y="0"/>
+          <a:chExt cx="0" cy="0"/>
+        </a:xfrm>
+      </p:grpSpPr>
+      <p:sp>
+        <p:nvSpPr>
+          <p:cNvPr id="778" name="Google Shape;778;g88e49ee2fb_1_69:notes"/>
+          <p:cNvSpPr>
+            <a:spLocks noGrp="1" noRot="1" noChangeAspect="1"/>
+          </p:cNvSpPr>
+          <p:nvPr>
+            <p:ph type="sldImg" idx="2"/>
+          </p:nvPr>
+        </p:nvSpPr>
+        <p:spPr>
+          <a:xfrm>
+            <a:off x="381000" y="685800"/>
+            <a:ext cx="6096000" cy="3429000"/>
+          </a:xfrm>
+          <a:custGeom>
+            <a:avLst/>
+            <a:gdLst/>
+            <a:ahLst/>
+            <a:cxnLst/>
+            <a:rect l="l" t="t" r="r" b="b"/>
+            <a:pathLst>
+              <a:path w="120000" h="120000" extrusionOk="0">
+                <a:moveTo>
+                  <a:pt x="0" y="0"/>
+                </a:moveTo>
+                <a:lnTo>
+                  <a:pt x="120000" y="0"/>
+                </a:lnTo>
+                <a:lnTo>
+                  <a:pt x="120000" y="120000"/>
+                </a:lnTo>
+                <a:lnTo>
+                  <a:pt x="0" y="120000"/>
+                </a:lnTo>
+                <a:close/>
+              </a:path>
+            </a:pathLst>
+          </a:custGeom>
+        </p:spPr>
+      </p:sp>
+      <p:sp>
+        <p:nvSpPr>
+          <p:cNvPr id="779" name="Google Shape;779;g88e49ee2fb_1_69:notes"/>
+          <p:cNvSpPr txBox="1">
+            <a:spLocks noGrp="1"/>
+          </p:cNvSpPr>
+          <p:nvPr>
+            <p:ph type="body" idx="1"/>
+          </p:nvPr>
+        </p:nvSpPr>
+        <p:spPr>
+          <a:xfrm>
+            <a:off x="685800" y="4343400"/>
+            <a:ext cx="5486400" cy="4114800"/>
+          </a:xfrm>
+          <a:prstGeom prst="rect">
+            <a:avLst/>
+          </a:prstGeom>
+        </p:spPr>
+        <p:txBody>
+          <a:bodyPr spcFirstLastPara="1" wrap="square" lIns="91425" tIns="91425" rIns="91425" bIns="91425" anchor="t" anchorCtr="0">
+            <a:noAutofit/>
+          </a:bodyPr>
+          <a:lstStyle/>
+          <a:p>
+            <a:pPr marL="0" lvl="0" indent="0" algn="l" rtl="0">
+              <a:spcBef>
+                <a:spcPts val="0"/>
+              </a:spcBef>
+              <a:spcAft>
+                <a:spcPts val="0"/>
+              </a:spcAft>
+              <a:buNone/>
+            </a:pPr>
+            <a:endParaRPr/>
+          </a:p>
+        </p:txBody>
+      </p:sp>
+    </p:spTree>
+    <p:extLst>
+      <p:ext uri="{BB962C8B-B14F-4D97-AF65-F5344CB8AC3E}">
+        <p14:creationId xmlns:p14="http://schemas.microsoft.com/office/powerpoint/2010/main" val="2869763428"/>
+      </p:ext>
+    </p:extLst>
+  </p:cSld>
+  <p:clrMapOvr>
+    <a:masterClrMapping/>
+  </p:clrMapOvr>
+</p:notes>
+</file>
+
+<file path=ppt/notesSlides/notesSlide34.xml><?xml version="1.0" encoding="utf-8"?>
+<p:notes xmlns:a="http://schemas.openxmlformats.org/drawingml/2006/main" xmlns:r="http://schemas.openxmlformats.org/officeDocument/2006/relationships" xmlns:p="http://schemas.openxmlformats.org/presentationml/2006/main" showMasterSp="0" showMasterPhAnim="0">
+  <p:cSld>
+    <p:spTree>
+      <p:nvGrpSpPr>
         <p:cNvPr id="1" name="Shape 357"/>
         <p:cNvGrpSpPr/>
         <p:nvPr/>
@@ -3646,7 +3756,7 @@
 </p:notes>
 </file>
 
-<file path=ppt/notesSlides/notesSlide34.xml><?xml version="1.0" encoding="utf-8"?>
+<file path=ppt/notesSlides/notesSlide35.xml><?xml version="1.0" encoding="utf-8"?>
 <p:notes xmlns:a="http://schemas.openxmlformats.org/drawingml/2006/main" xmlns:r="http://schemas.openxmlformats.org/officeDocument/2006/relationships" xmlns:p="http://schemas.openxmlformats.org/presentationml/2006/main" showMasterSp="0" showMasterPhAnim="0">
   <p:cSld>
     <p:spTree>
@@ -3755,7 +3865,7 @@
 </p:notes>
 </file>
 
-<file path=ppt/notesSlides/notesSlide35.xml><?xml version="1.0" encoding="utf-8"?>
+<file path=ppt/notesSlides/notesSlide36.xml><?xml version="1.0" encoding="utf-8"?>
 <p:notes xmlns:a="http://schemas.openxmlformats.org/drawingml/2006/main" xmlns:r="http://schemas.openxmlformats.org/officeDocument/2006/relationships" xmlns:p="http://schemas.openxmlformats.org/presentationml/2006/main" showMasterSp="0" showMasterPhAnim="0">
   <p:cSld>
     <p:spTree>
@@ -3859,7 +3969,7 @@
 </p:notes>
 </file>
 
-<file path=ppt/notesSlides/notesSlide36.xml><?xml version="1.0" encoding="utf-8"?>
+<file path=ppt/notesSlides/notesSlide37.xml><?xml version="1.0" encoding="utf-8"?>
 <p:notes xmlns:a="http://schemas.openxmlformats.org/drawingml/2006/main" xmlns:r="http://schemas.openxmlformats.org/officeDocument/2006/relationships" xmlns:p="http://schemas.openxmlformats.org/presentationml/2006/main" showMasterSp="0" showMasterPhAnim="0">
   <p:cSld>
     <p:spTree>
@@ -29604,12 +29714,324 @@
           </a:p>
         </p:txBody>
       </p:sp>
+      <p:cxnSp>
+        <p:nvCxnSpPr>
+          <p:cNvPr id="8" name="Connettore 2 7">
+            <a:extLst>
+              <a:ext uri="{FF2B5EF4-FFF2-40B4-BE49-F238E27FC236}">
+                <a16:creationId xmlns:a16="http://schemas.microsoft.com/office/drawing/2014/main" id="{980D320B-14C2-47CB-940D-1045931EAD8F}"/>
+              </a:ext>
+            </a:extLst>
+          </p:cNvPr>
+          <p:cNvCxnSpPr>
+            <a:cxnSpLocks/>
+          </p:cNvCxnSpPr>
+          <p:nvPr/>
+        </p:nvCxnSpPr>
+        <p:spPr>
+          <a:xfrm>
+            <a:off x="4786313" y="2135981"/>
+            <a:ext cx="942975" cy="709225"/>
+          </a:xfrm>
+          <a:prstGeom prst="straightConnector1">
+            <a:avLst/>
+          </a:prstGeom>
+          <a:ln w="76200">
+            <a:tailEnd type="triangle"/>
+          </a:ln>
+        </p:spPr>
+        <p:style>
+          <a:lnRef idx="1">
+            <a:schemeClr val="accent1"/>
+          </a:lnRef>
+          <a:fillRef idx="0">
+            <a:schemeClr val="accent1"/>
+          </a:fillRef>
+          <a:effectRef idx="0">
+            <a:schemeClr val="accent1"/>
+          </a:effectRef>
+          <a:fontRef idx="minor">
+            <a:schemeClr val="tx1"/>
+          </a:fontRef>
+        </p:style>
+      </p:cxnSp>
+      <p:sp>
+        <p:nvSpPr>
+          <p:cNvPr id="6" name="CasellaDiTesto 5">
+            <a:extLst>
+              <a:ext uri="{FF2B5EF4-FFF2-40B4-BE49-F238E27FC236}">
+                <a16:creationId xmlns:a16="http://schemas.microsoft.com/office/drawing/2014/main" id="{A2AE3007-C427-438D-840B-AABA3949933A}"/>
+              </a:ext>
+            </a:extLst>
+          </p:cNvPr>
+          <p:cNvSpPr txBox="1"/>
+          <p:nvPr/>
+        </p:nvSpPr>
+        <p:spPr>
+          <a:xfrm>
+            <a:off x="5729288" y="2845206"/>
+            <a:ext cx="3253977" cy="1015663"/>
+          </a:xfrm>
+          <a:prstGeom prst="rect">
+            <a:avLst/>
+          </a:prstGeom>
+          <a:noFill/>
+        </p:spPr>
+        <p:txBody>
+          <a:bodyPr wrap="square" rtlCol="0">
+            <a:spAutoFit/>
+          </a:bodyPr>
+          <a:lstStyle/>
+          <a:p>
+            <a:r>
+              <a:rPr lang="it-IT" sz="1200" b="1" dirty="0">
+                <a:solidFill>
+                  <a:schemeClr val="tx2"/>
+                </a:solidFill>
+                <a:latin typeface="Montserrat" panose="020B0604020202020204" charset="0"/>
+              </a:rPr>
+              <a:t>*</a:t>
+            </a:r>
+            <a:r>
+              <a:rPr lang="it-IT" sz="1200" b="1" dirty="0" err="1">
+                <a:solidFill>
+                  <a:schemeClr val="tx2"/>
+                </a:solidFill>
+                <a:latin typeface="Montserrat" panose="020B0604020202020204" charset="0"/>
+              </a:rPr>
+              <a:t>Requests</a:t>
+            </a:r>
+            <a:r>
+              <a:rPr lang="it-IT" sz="1200" b="1" dirty="0">
+                <a:solidFill>
+                  <a:schemeClr val="tx2"/>
+                </a:solidFill>
+                <a:latin typeface="Montserrat" panose="020B0604020202020204" charset="0"/>
+              </a:rPr>
+              <a:t> of guests with </a:t>
+            </a:r>
+            <a:r>
+              <a:rPr lang="it-IT" sz="1200" b="1" dirty="0" err="1">
+                <a:solidFill>
+                  <a:schemeClr val="tx2"/>
+                </a:solidFill>
+                <a:latin typeface="Montserrat" panose="020B0604020202020204" charset="0"/>
+              </a:rPr>
+              <a:t>bronze</a:t>
+            </a:r>
+            <a:r>
+              <a:rPr lang="it-IT" sz="1200" b="1" dirty="0">
+                <a:solidFill>
+                  <a:schemeClr val="tx2"/>
+                </a:solidFill>
+                <a:latin typeface="Montserrat" panose="020B0604020202020204" charset="0"/>
+              </a:rPr>
+              <a:t> and </a:t>
+            </a:r>
+            <a:r>
+              <a:rPr lang="it-IT" sz="1200" b="1" dirty="0" err="1">
+                <a:solidFill>
+                  <a:schemeClr val="tx2"/>
+                </a:solidFill>
+                <a:latin typeface="Montserrat" panose="020B0604020202020204" charset="0"/>
+              </a:rPr>
+              <a:t>gold</a:t>
+            </a:r>
+            <a:r>
+              <a:rPr lang="it-IT" sz="1200" b="1" dirty="0">
+                <a:solidFill>
+                  <a:schemeClr val="tx2"/>
+                </a:solidFill>
+                <a:latin typeface="Montserrat" panose="020B0604020202020204" charset="0"/>
+              </a:rPr>
+              <a:t> </a:t>
+            </a:r>
+            <a:r>
+              <a:rPr lang="it-IT" sz="1200" b="1" dirty="0" err="1">
+                <a:solidFill>
+                  <a:schemeClr val="tx2"/>
+                </a:solidFill>
+                <a:latin typeface="Montserrat" panose="020B0604020202020204" charset="0"/>
+              </a:rPr>
+              <a:t>role</a:t>
+            </a:r>
+            <a:r>
+              <a:rPr lang="it-IT" sz="1200" b="1" dirty="0">
+                <a:solidFill>
+                  <a:schemeClr val="tx2"/>
+                </a:solidFill>
+                <a:latin typeface="Montserrat" panose="020B0604020202020204" charset="0"/>
+              </a:rPr>
+              <a:t> can </a:t>
+            </a:r>
+            <a:r>
+              <a:rPr lang="it-IT" sz="1200" b="1" dirty="0" err="1">
+                <a:solidFill>
+                  <a:schemeClr val="tx2"/>
+                </a:solidFill>
+                <a:latin typeface="Montserrat" panose="020B0604020202020204" charset="0"/>
+              </a:rPr>
+              <a:t>have</a:t>
+            </a:r>
+            <a:r>
+              <a:rPr lang="it-IT" sz="1200" b="1" dirty="0">
+                <a:solidFill>
+                  <a:schemeClr val="tx2"/>
+                </a:solidFill>
+                <a:latin typeface="Montserrat" panose="020B0604020202020204" charset="0"/>
+              </a:rPr>
+              <a:t> </a:t>
+            </a:r>
+            <a:r>
+              <a:rPr lang="it-IT" sz="1200" b="1" dirty="0" err="1">
+                <a:solidFill>
+                  <a:schemeClr val="tx2"/>
+                </a:solidFill>
+                <a:latin typeface="Montserrat" panose="020B0604020202020204" charset="0"/>
+              </a:rPr>
+              <a:t>unlimited</a:t>
+            </a:r>
+            <a:r>
+              <a:rPr lang="it-IT" sz="1200" b="1" dirty="0">
+                <a:solidFill>
+                  <a:schemeClr val="tx2"/>
+                </a:solidFill>
+                <a:latin typeface="Montserrat" panose="020B0604020202020204" charset="0"/>
+              </a:rPr>
+              <a:t> access to the </a:t>
+            </a:r>
+            <a:r>
+              <a:rPr lang="it-IT" sz="1200" b="1" dirty="0" err="1">
+                <a:solidFill>
+                  <a:schemeClr val="tx2"/>
+                </a:solidFill>
+                <a:latin typeface="Montserrat" panose="020B0604020202020204" charset="0"/>
+              </a:rPr>
+              <a:t>allowed</a:t>
+            </a:r>
+            <a:r>
+              <a:rPr lang="it-IT" sz="1200" b="1" dirty="0">
+                <a:solidFill>
+                  <a:schemeClr val="tx2"/>
+                </a:solidFill>
+                <a:latin typeface="Montserrat" panose="020B0604020202020204" charset="0"/>
+              </a:rPr>
+              <a:t> services so </a:t>
+            </a:r>
+            <a:r>
+              <a:rPr lang="it-IT" sz="1200" b="1" dirty="0" err="1">
+                <a:solidFill>
+                  <a:schemeClr val="tx2"/>
+                </a:solidFill>
+                <a:latin typeface="Montserrat" panose="020B0604020202020204" charset="0"/>
+              </a:rPr>
+              <a:t>this</a:t>
+            </a:r>
+            <a:r>
+              <a:rPr lang="it-IT" sz="1200" b="1" dirty="0">
+                <a:solidFill>
+                  <a:schemeClr val="tx2"/>
+                </a:solidFill>
+                <a:latin typeface="Montserrat" panose="020B0604020202020204" charset="0"/>
+              </a:rPr>
+              <a:t> </a:t>
+            </a:r>
+            <a:r>
+              <a:rPr lang="it-IT" sz="1200" b="1" dirty="0" err="1">
+                <a:solidFill>
+                  <a:schemeClr val="tx2"/>
+                </a:solidFill>
+                <a:latin typeface="Montserrat" panose="020B0604020202020204" charset="0"/>
+              </a:rPr>
+              <a:t>attribute</a:t>
+            </a:r>
+            <a:r>
+              <a:rPr lang="it-IT" sz="1200" b="1" dirty="0">
+                <a:solidFill>
+                  <a:schemeClr val="tx2"/>
+                </a:solidFill>
+                <a:latin typeface="Montserrat" panose="020B0604020202020204" charset="0"/>
+              </a:rPr>
+              <a:t> </a:t>
+            </a:r>
+            <a:r>
+              <a:rPr lang="it-IT" sz="1200" b="1" dirty="0" err="1">
+                <a:solidFill>
+                  <a:schemeClr val="tx2"/>
+                </a:solidFill>
+                <a:latin typeface="Montserrat" panose="020B0604020202020204" charset="0"/>
+              </a:rPr>
+              <a:t>is</a:t>
+            </a:r>
+            <a:r>
+              <a:rPr lang="it-IT" sz="1200" b="1" dirty="0">
+                <a:solidFill>
+                  <a:schemeClr val="tx2"/>
+                </a:solidFill>
+                <a:latin typeface="Montserrat" panose="020B0604020202020204" charset="0"/>
+              </a:rPr>
+              <a:t> </a:t>
+            </a:r>
+            <a:r>
+              <a:rPr lang="it-IT" sz="1200" b="1" dirty="0" err="1">
+                <a:solidFill>
+                  <a:schemeClr val="tx2"/>
+                </a:solidFill>
+                <a:latin typeface="Montserrat" panose="020B0604020202020204" charset="0"/>
+              </a:rPr>
+              <a:t>needed</a:t>
+            </a:r>
+            <a:r>
+              <a:rPr lang="it-IT" sz="1200" b="1" dirty="0">
+                <a:solidFill>
+                  <a:schemeClr val="tx2"/>
+                </a:solidFill>
+                <a:latin typeface="Montserrat" panose="020B0604020202020204" charset="0"/>
+              </a:rPr>
+              <a:t> </a:t>
+            </a:r>
+            <a:r>
+              <a:rPr lang="it-IT" sz="1200" b="1" dirty="0" err="1">
+                <a:solidFill>
+                  <a:schemeClr val="tx2"/>
+                </a:solidFill>
+                <a:latin typeface="Montserrat" panose="020B0604020202020204" charset="0"/>
+              </a:rPr>
+              <a:t>only</a:t>
+            </a:r>
+            <a:r>
+              <a:rPr lang="it-IT" sz="1200" b="1" dirty="0">
+                <a:solidFill>
+                  <a:schemeClr val="tx2"/>
+                </a:solidFill>
+                <a:latin typeface="Montserrat" panose="020B0604020202020204" charset="0"/>
+              </a:rPr>
+              <a:t> with silver </a:t>
+            </a:r>
+            <a:r>
+              <a:rPr lang="it-IT" sz="1200" b="1" dirty="0" err="1">
+                <a:solidFill>
+                  <a:schemeClr val="tx2"/>
+                </a:solidFill>
+                <a:latin typeface="Montserrat" panose="020B0604020202020204" charset="0"/>
+              </a:rPr>
+              <a:t>role</a:t>
+            </a:r>
+            <a:endParaRPr lang="it-IT" sz="1200" b="1" dirty="0">
+              <a:solidFill>
+                <a:schemeClr val="tx2"/>
+              </a:solidFill>
+              <a:latin typeface="Montserrat" panose="020B0604020202020204" charset="0"/>
+            </a:endParaRPr>
+          </a:p>
+        </p:txBody>
+      </p:sp>
       <p:pic>
         <p:nvPicPr>
-          <p:cNvPr id="3" name="Immagine 2" descr="Immagine che contiene screenshot&#10;&#10;Descrizione generata automaticamente">
+          <p:cNvPr id="10" name="Immagine 9" descr="Immagine che contiene screenshot&#10;&#10;Descrizione generata automaticamente">
             <a:extLst>
               <a:ext uri="{FF2B5EF4-FFF2-40B4-BE49-F238E27FC236}">
-                <a16:creationId xmlns:a16="http://schemas.microsoft.com/office/drawing/2014/main" id="{645AC82D-3B47-4374-95CC-3AB3BA26FDDE}"/>
+                <a16:creationId xmlns:a16="http://schemas.microsoft.com/office/drawing/2014/main" id="{66998A5E-9103-4C70-BB17-3693AC29B3AC}"/>
               </a:ext>
             </a:extLst>
           </p:cNvPr>
@@ -29626,8 +30048,8 @@
         </p:blipFill>
         <p:spPr>
           <a:xfrm>
-            <a:off x="460793" y="2650332"/>
-            <a:ext cx="4111207" cy="2283311"/>
+            <a:off x="442914" y="2650332"/>
+            <a:ext cx="3871912" cy="2255708"/>
           </a:xfrm>
           <a:prstGeom prst="rect">
             <a:avLst/>
@@ -29648,7 +30070,7 @@
         </p:nvSpPr>
         <p:spPr>
           <a:xfrm>
-            <a:off x="3309940" y="2504138"/>
+            <a:off x="3059909" y="2490593"/>
             <a:ext cx="1633536" cy="292388"/>
           </a:xfrm>
           <a:prstGeom prst="rect">
@@ -45223,6 +45645,216 @@
   <p:cSld>
     <p:spTree>
       <p:nvGrpSpPr>
+        <p:cNvPr id="1" name="Shape 780"/>
+        <p:cNvGrpSpPr/>
+        <p:nvPr/>
+      </p:nvGrpSpPr>
+      <p:grpSpPr>
+        <a:xfrm>
+          <a:off x="0" y="0"/>
+          <a:ext cx="0" cy="0"/>
+          <a:chOff x="0" y="0"/>
+          <a:chExt cx="0" cy="0"/>
+        </a:xfrm>
+      </p:grpSpPr>
+      <p:sp>
+        <p:nvSpPr>
+          <p:cNvPr id="781" name="Google Shape;781;p49"/>
+          <p:cNvSpPr txBox="1">
+            <a:spLocks noGrp="1"/>
+          </p:cNvSpPr>
+          <p:nvPr>
+            <p:ph type="title"/>
+          </p:nvPr>
+        </p:nvSpPr>
+        <p:spPr>
+          <a:xfrm>
+            <a:off x="617575" y="354900"/>
+            <a:ext cx="4242000" cy="572700"/>
+          </a:xfrm>
+          <a:prstGeom prst="rect">
+            <a:avLst/>
+          </a:prstGeom>
+        </p:spPr>
+        <p:txBody>
+          <a:bodyPr spcFirstLastPara="1" wrap="square" lIns="91425" tIns="91425" rIns="91425" bIns="91425" anchor="t" anchorCtr="0">
+            <a:noAutofit/>
+          </a:bodyPr>
+          <a:lstStyle/>
+          <a:p>
+            <a:pPr marL="0" lvl="0" indent="0" algn="l" rtl="0">
+              <a:spcBef>
+                <a:spcPts val="0"/>
+              </a:spcBef>
+              <a:spcAft>
+                <a:spcPts val="0"/>
+              </a:spcAft>
+              <a:buNone/>
+            </a:pPr>
+            <a:r>
+              <a:rPr lang="it-IT" dirty="0"/>
+              <a:t>Analytics </a:t>
+            </a:r>
+            <a:r>
+              <a:rPr lang="it-IT" dirty="0" err="1"/>
+              <a:t>Result</a:t>
+            </a:r>
+            <a:endParaRPr dirty="0"/>
+          </a:p>
+        </p:txBody>
+      </p:sp>
+      <p:sp>
+        <p:nvSpPr>
+          <p:cNvPr id="26" name="CasellaDiTesto 25">
+            <a:extLst>
+              <a:ext uri="{FF2B5EF4-FFF2-40B4-BE49-F238E27FC236}">
+                <a16:creationId xmlns:a16="http://schemas.microsoft.com/office/drawing/2014/main" id="{859465AF-ACF8-4D12-860E-EBC466E298A0}"/>
+              </a:ext>
+            </a:extLst>
+          </p:cNvPr>
+          <p:cNvSpPr txBox="1"/>
+          <p:nvPr/>
+        </p:nvSpPr>
+        <p:spPr>
+          <a:xfrm>
+            <a:off x="1065433" y="1104177"/>
+            <a:ext cx="6672262" cy="692497"/>
+          </a:xfrm>
+          <a:prstGeom prst="rect">
+            <a:avLst/>
+          </a:prstGeom>
+          <a:noFill/>
+        </p:spPr>
+        <p:txBody>
+          <a:bodyPr wrap="square" rtlCol="0">
+            <a:spAutoFit/>
+          </a:bodyPr>
+          <a:lstStyle/>
+          <a:p>
+            <a:pPr algn="ctr"/>
+            <a:r>
+              <a:rPr lang="en-US" sz="1300" b="1" dirty="0">
+                <a:solidFill>
+                  <a:schemeClr val="bg1"/>
+                </a:solidFill>
+                <a:latin typeface="Montserrat" panose="020B0604020202020204" charset="0"/>
+              </a:rPr>
+              <a:t>Publish </a:t>
+            </a:r>
+            <a:r>
+              <a:rPr lang="en-US" sz="1300" b="1" dirty="0">
+                <a:solidFill>
+                  <a:schemeClr val="tx2"/>
+                </a:solidFill>
+                <a:latin typeface="Montserrat" panose="020B0604020202020204" charset="0"/>
+              </a:rPr>
+              <a:t>“bronze” </a:t>
+            </a:r>
+            <a:r>
+              <a:rPr lang="en-US" sz="1300" b="1" dirty="0">
+                <a:solidFill>
+                  <a:schemeClr val="bg1"/>
+                </a:solidFill>
+                <a:latin typeface="Montserrat" panose="020B0604020202020204" charset="0"/>
+              </a:rPr>
+              <a:t>on topic </a:t>
+            </a:r>
+            <a:r>
+              <a:rPr lang="en-US" sz="1300" b="1" dirty="0">
+                <a:solidFill>
+                  <a:schemeClr val="tx2"/>
+                </a:solidFill>
+                <a:latin typeface="Montserrat" panose="020B0604020202020204" charset="0"/>
+              </a:rPr>
+              <a:t>“</a:t>
+            </a:r>
+            <a:r>
+              <a:rPr lang="en-US" sz="1300" b="1" dirty="0" err="1">
+                <a:solidFill>
+                  <a:schemeClr val="tx2"/>
+                </a:solidFill>
+                <a:latin typeface="Montserrat" panose="020B0604020202020204" charset="0"/>
+              </a:rPr>
+              <a:t>iot</a:t>
+            </a:r>
+            <a:r>
+              <a:rPr lang="en-US" sz="1300" b="1" dirty="0">
+                <a:solidFill>
+                  <a:schemeClr val="tx2"/>
+                </a:solidFill>
+                <a:latin typeface="Montserrat" panose="020B0604020202020204" charset="0"/>
+              </a:rPr>
+              <a:t>/sensors/analytics” </a:t>
+            </a:r>
+            <a:r>
+              <a:rPr lang="en-US" sz="1300" b="1" dirty="0">
+                <a:solidFill>
+                  <a:schemeClr val="bg1"/>
+                </a:solidFill>
+                <a:latin typeface="Montserrat" panose="020B0604020202020204" charset="0"/>
+              </a:rPr>
+              <a:t>to trigger the function that make the analytics operations.</a:t>
+            </a:r>
+          </a:p>
+          <a:p>
+            <a:pPr algn="ctr"/>
+            <a:endParaRPr lang="en-US" sz="1300" b="1" dirty="0">
+              <a:latin typeface="Montserrat" panose="020B0604020202020204" charset="0"/>
+            </a:endParaRPr>
+          </a:p>
+        </p:txBody>
+      </p:sp>
+      <p:pic>
+        <p:nvPicPr>
+          <p:cNvPr id="3" name="Immagine 2">
+            <a:extLst>
+              <a:ext uri="{FF2B5EF4-FFF2-40B4-BE49-F238E27FC236}">
+                <a16:creationId xmlns:a16="http://schemas.microsoft.com/office/drawing/2014/main" id="{6CC20C8E-17A7-48FF-A7EC-43F94105FBA8}"/>
+              </a:ext>
+            </a:extLst>
+          </p:cNvPr>
+          <p:cNvPicPr>
+            <a:picLocks noChangeAspect="1"/>
+          </p:cNvPicPr>
+          <p:nvPr/>
+        </p:nvPicPr>
+        <p:blipFill>
+          <a:blip r:embed="rId3"/>
+          <a:stretch>
+            <a:fillRect/>
+          </a:stretch>
+        </p:blipFill>
+        <p:spPr>
+          <a:xfrm>
+            <a:off x="700704" y="2279987"/>
+            <a:ext cx="7742591" cy="1889924"/>
+          </a:xfrm>
+          <a:prstGeom prst="rect">
+            <a:avLst/>
+          </a:prstGeom>
+        </p:spPr>
+      </p:pic>
+    </p:spTree>
+    <p:extLst>
+      <p:ext uri="{BB962C8B-B14F-4D97-AF65-F5344CB8AC3E}">
+        <p14:creationId xmlns:p14="http://schemas.microsoft.com/office/powerpoint/2010/main" val="2639128017"/>
+      </p:ext>
+    </p:extLst>
+  </p:cSld>
+  <p:clrMapOvr>
+    <a:masterClrMapping/>
+  </p:clrMapOvr>
+  <p:transition spd="slow">
+    <p:push dir="u"/>
+  </p:transition>
+</p:sld>
+</file>
+
+<file path=ppt/slides/slide34.xml><?xml version="1.0" encoding="utf-8"?>
+<p:sld xmlns:a="http://schemas.openxmlformats.org/drawingml/2006/main" xmlns:r="http://schemas.openxmlformats.org/officeDocument/2006/relationships" xmlns:p="http://schemas.openxmlformats.org/presentationml/2006/main">
+  <p:cSld>
+    <p:spTree>
+      <p:nvGrpSpPr>
         <p:cNvPr id="1" name="Shape 360"/>
         <p:cNvGrpSpPr/>
         <p:nvPr/>
@@ -47281,7 +47913,7 @@
 </p:sld>
 </file>
 
-<file path=ppt/slides/slide34.xml><?xml version="1.0" encoding="utf-8"?>
+<file path=ppt/slides/slide35.xml><?xml version="1.0" encoding="utf-8"?>
 <p:sld xmlns:a="http://schemas.openxmlformats.org/drawingml/2006/main" xmlns:r="http://schemas.openxmlformats.org/officeDocument/2006/relationships" xmlns:p="http://schemas.openxmlformats.org/presentationml/2006/main">
   <p:cSld>
     <p:spTree>
@@ -47456,7 +48088,7 @@
 </p:sld>
 </file>
 
-<file path=ppt/slides/slide35.xml><?xml version="1.0" encoding="utf-8"?>
+<file path=ppt/slides/slide36.xml><?xml version="1.0" encoding="utf-8"?>
 <p:sld xmlns:a="http://schemas.openxmlformats.org/drawingml/2006/main" xmlns:r="http://schemas.openxmlformats.org/officeDocument/2006/relationships" xmlns:p="http://schemas.openxmlformats.org/presentationml/2006/main">
   <p:cSld>
     <p:spTree>
@@ -48551,7 +49183,7 @@
 </p:sld>
 </file>
 
-<file path=ppt/slides/slide36.xml><?xml version="1.0" encoding="utf-8"?>
+<file path=ppt/slides/slide37.xml><?xml version="1.0" encoding="utf-8"?>
 <p:sld xmlns:a="http://schemas.openxmlformats.org/drawingml/2006/main" xmlns:r="http://schemas.openxmlformats.org/officeDocument/2006/relationships" xmlns:p="http://schemas.openxmlformats.org/presentationml/2006/main">
   <p:cSld>
     <p:bg>
